--- a/讲义/responsive.pptx
+++ b/讲义/responsive.pptx
@@ -4214,9 +4214,9 @@
               <a:solidFill>
                 <a:srgbClr val="FF0000"/>
               </a:solidFill>
-              <a:latin typeface="Adobe 黑体 Std R"/>
-              <a:ea typeface="Adobe 黑体 Std R"/>
-              <a:cs typeface="Adobe 黑体 Std R"/>
+              <a:latin typeface="Adobe 黑体 Std R" panose="020B0400000000000000" charset="-122"/>
+              <a:ea typeface="Adobe 黑体 Std R" panose="020B0400000000000000" charset="-122"/>
+              <a:cs typeface="Adobe 黑体 Std R" panose="020B0400000000000000" charset="-122"/>
             </a:endParaRPr>
           </a:p>
         </p:txBody>
@@ -4311,9 +4311,9 @@
                 <a:solidFill>
                   <a:srgbClr val="FF0000"/>
                 </a:solidFill>
-                <a:latin typeface="Adobe 楷体 Std R"/>
-                <a:ea typeface="Adobe 楷体 Std R"/>
-                <a:cs typeface="Adobe 楷体 Std R"/>
+                <a:latin typeface="Adobe 楷体 Std R" panose="02020400000000000000" charset="-122"/>
+                <a:ea typeface="Adobe 楷体 Std R" panose="02020400000000000000" charset="-122"/>
+                <a:cs typeface="Adobe 楷体 Std R" panose="02020400000000000000" charset="-122"/>
               </a:rPr>
               <a:t>什么是响应式布局</a:t>
             </a:r>
@@ -4321,9 +4321,9 @@
               <a:solidFill>
                 <a:srgbClr val="FF0000"/>
               </a:solidFill>
-              <a:latin typeface="Adobe 楷体 Std R"/>
-              <a:ea typeface="Adobe 楷体 Std R"/>
-              <a:cs typeface="Adobe 楷体 Std R"/>
+              <a:latin typeface="Adobe 楷体 Std R" panose="02020400000000000000" charset="-122"/>
+              <a:ea typeface="Adobe 楷体 Std R" panose="02020400000000000000" charset="-122"/>
+              <a:cs typeface="Adobe 楷体 Std R" panose="02020400000000000000" charset="-122"/>
             </a:endParaRPr>
           </a:p>
         </p:txBody>
@@ -4355,49 +4355,49 @@
             </a:pPr>
             <a:r>
               <a:rPr lang="en-US" altLang="zh-CN" sz="2800" dirty="0" smtClean="0">
-                <a:latin typeface="Adobe 楷体 Std R"/>
-                <a:ea typeface="Adobe 楷体 Std R"/>
-                <a:cs typeface="Adobe 楷体 Std R"/>
+                <a:latin typeface="Adobe 楷体 Std R" panose="02020400000000000000" charset="-122"/>
+                <a:ea typeface="Adobe 楷体 Std R" panose="02020400000000000000" charset="-122"/>
+                <a:cs typeface="Adobe 楷体 Std R" panose="02020400000000000000" charset="-122"/>
                 <a:sym typeface="+mn-ea"/>
               </a:rPr>
               <a:t>Responsive Web Design </a:t>
             </a:r>
             <a:r>
               <a:rPr lang="zh-CN" altLang="en-US" sz="2800" dirty="0" smtClean="0">
-                <a:latin typeface="Adobe 楷体 Std R"/>
-                <a:ea typeface="Adobe 楷体 Std R"/>
-                <a:cs typeface="Adobe 楷体 Std R"/>
+                <a:latin typeface="Adobe 楷体 Std R" panose="02020400000000000000" charset="-122"/>
+                <a:ea typeface="Adobe 楷体 Std R" panose="02020400000000000000" charset="-122"/>
+                <a:cs typeface="Adobe 楷体 Std R" panose="02020400000000000000" charset="-122"/>
               </a:rPr>
               <a:t>指可以自动识别屏幕宽度</a:t>
             </a:r>
             <a:r>
               <a:rPr lang="en-US" altLang="zh-CN" sz="2800" dirty="0" smtClean="0">
-                <a:latin typeface="Adobe 楷体 Std R"/>
-                <a:ea typeface="Adobe 楷体 Std R"/>
-                <a:cs typeface="Adobe 楷体 Std R"/>
+                <a:latin typeface="Adobe 楷体 Std R" panose="02020400000000000000" charset="-122"/>
+                <a:ea typeface="Adobe 楷体 Std R" panose="02020400000000000000" charset="-122"/>
+                <a:cs typeface="Adobe 楷体 Std R" panose="02020400000000000000" charset="-122"/>
               </a:rPr>
               <a:t>,</a:t>
             </a:r>
             <a:r>
               <a:rPr lang="zh-CN" altLang="en-US" sz="2800" dirty="0" smtClean="0">
-                <a:latin typeface="Adobe 楷体 Std R"/>
-                <a:ea typeface="Adobe 楷体 Std R"/>
-                <a:cs typeface="Adobe 楷体 Std R"/>
+                <a:latin typeface="Adobe 楷体 Std R" panose="02020400000000000000" charset="-122"/>
+                <a:ea typeface="Adobe 楷体 Std R" panose="02020400000000000000" charset="-122"/>
+                <a:cs typeface="Adobe 楷体 Std R" panose="02020400000000000000" charset="-122"/>
               </a:rPr>
               <a:t>并做出相应调整的网页设计</a:t>
             </a:r>
             <a:r>
               <a:rPr lang="en-US" altLang="zh-CN" sz="2800" dirty="0" smtClean="0">
-                <a:latin typeface="Adobe 楷体 Std R"/>
-                <a:ea typeface="Adobe 楷体 Std R"/>
-                <a:cs typeface="Adobe 楷体 Std R"/>
+                <a:latin typeface="Adobe 楷体 Std R" panose="02020400000000000000" charset="-122"/>
+                <a:ea typeface="Adobe 楷体 Std R" panose="02020400000000000000" charset="-122"/>
+                <a:cs typeface="Adobe 楷体 Std R" panose="02020400000000000000" charset="-122"/>
               </a:rPr>
               <a:t>.</a:t>
             </a:r>
             <a:endParaRPr kumimoji="1" lang="zh-CN" altLang="en-US" sz="2800" dirty="0">
-              <a:latin typeface="Adobe 楷体 Std R"/>
-              <a:ea typeface="Adobe 楷体 Std R"/>
-              <a:cs typeface="Adobe 楷体 Std R"/>
+              <a:latin typeface="Adobe 楷体 Std R" panose="02020400000000000000" charset="-122"/>
+              <a:ea typeface="Adobe 楷体 Std R" panose="02020400000000000000" charset="-122"/>
+              <a:cs typeface="Adobe 楷体 Std R" panose="02020400000000000000" charset="-122"/>
             </a:endParaRPr>
           </a:p>
         </p:txBody>
@@ -4503,9 +4503,9 @@
                 <a:solidFill>
                   <a:srgbClr val="FF0000"/>
                 </a:solidFill>
-                <a:latin typeface="Adobe 楷体 Std R"/>
-                <a:ea typeface="Adobe 楷体 Std R"/>
-                <a:cs typeface="Adobe 楷体 Std R"/>
+                <a:latin typeface="Adobe 楷体 Std R" panose="02020400000000000000" charset="-122"/>
+                <a:ea typeface="Adobe 楷体 Std R" panose="02020400000000000000" charset="-122"/>
+                <a:cs typeface="Adobe 楷体 Std R" panose="02020400000000000000" charset="-122"/>
               </a:rPr>
               <a:t>viewport</a:t>
             </a:r>
@@ -4513,9 +4513,9 @@
               <a:solidFill>
                 <a:srgbClr val="FF0000"/>
               </a:solidFill>
-              <a:latin typeface="Adobe 楷体 Std R"/>
-              <a:ea typeface="Adobe 楷体 Std R"/>
-              <a:cs typeface="Adobe 楷体 Std R"/>
+              <a:latin typeface="Adobe 楷体 Std R" panose="02020400000000000000" charset="-122"/>
+              <a:ea typeface="Adobe 楷体 Std R" panose="02020400000000000000" charset="-122"/>
+              <a:cs typeface="Adobe 楷体 Std R" panose="02020400000000000000" charset="-122"/>
             </a:endParaRPr>
           </a:p>
         </p:txBody>
@@ -4552,7 +4552,7 @@
                 </a:solidFill>
                 <a:latin typeface="微软雅黑" panose="020B0503020204020204" charset="-122"/>
                 <a:ea typeface="微软雅黑" panose="020B0503020204020204" charset="-122"/>
-                <a:cs typeface="Adobe 楷体 Std R"/>
+                <a:cs typeface="Adobe 楷体 Std R" panose="02020400000000000000" charset="-122"/>
               </a:rPr>
               <a:t>什么是</a:t>
             </a:r>
@@ -4563,7 +4563,7 @@
                 </a:solidFill>
                 <a:latin typeface="微软雅黑" panose="020B0503020204020204" charset="-122"/>
                 <a:ea typeface="微软雅黑" panose="020B0503020204020204" charset="-122"/>
-                <a:cs typeface="Adobe 楷体 Std R"/>
+                <a:cs typeface="Adobe 楷体 Std R" panose="02020400000000000000" charset="-122"/>
               </a:rPr>
               <a:t>viewport</a:t>
             </a:r>
@@ -4573,7 +4573,7 @@
               </a:solidFill>
               <a:latin typeface="微软雅黑" panose="020B0503020204020204" charset="-122"/>
               <a:ea typeface="微软雅黑" panose="020B0503020204020204" charset="-122"/>
-              <a:cs typeface="Adobe 楷体 Std R"/>
+              <a:cs typeface="Adobe 楷体 Std R" panose="02020400000000000000" charset="-122"/>
             </a:endParaRPr>
           </a:p>
           <a:p>
@@ -4587,7 +4587,7 @@
                 </a:solidFill>
                 <a:latin typeface="微软雅黑" panose="020B0503020204020204" charset="-122"/>
                 <a:ea typeface="微软雅黑" panose="020B0503020204020204" charset="-122"/>
-                <a:cs typeface="Adobe 楷体 Std R"/>
+                <a:cs typeface="Adobe 楷体 Std R" panose="02020400000000000000" charset="-122"/>
               </a:rPr>
               <a:t>  </a:t>
             </a:r>
@@ -4597,7 +4597,7 @@
               </a:solidFill>
               <a:latin typeface="微软雅黑" panose="020B0503020204020204" charset="-122"/>
               <a:ea typeface="微软雅黑" panose="020B0503020204020204" charset="-122"/>
-              <a:cs typeface="Adobe 楷体 Std R"/>
+              <a:cs typeface="Adobe 楷体 Std R" panose="02020400000000000000" charset="-122"/>
             </a:endParaRPr>
           </a:p>
           <a:p>
@@ -4617,7 +4617,7 @@
                 </a:solidFill>
                 <a:latin typeface="微软雅黑" panose="020B0503020204020204" charset="-122"/>
                 <a:ea typeface="微软雅黑" panose="020B0503020204020204" charset="-122"/>
-                <a:cs typeface="Adobe 楷体 Std R"/>
+                <a:cs typeface="Adobe 楷体 Std R" panose="02020400000000000000" charset="-122"/>
               </a:rPr>
               <a:t> </a:t>
             </a:r>
@@ -4627,7 +4627,7 @@
                   <a:srgbClr val="FF0000"/>
                 </a:solidFill>
                 <a:latin typeface="+mn-ea"/>
-                <a:cs typeface="Adobe 楷体 Std R"/>
+                <a:cs typeface="Adobe 楷体 Std R" panose="02020400000000000000" charset="-122"/>
               </a:rPr>
               <a:t> -</a:t>
             </a:r>
@@ -4637,7 +4637,7 @@
                   <a:schemeClr val="tx1"/>
                 </a:solidFill>
                 <a:latin typeface="+mn-ea"/>
-                <a:cs typeface="Adobe 楷体 Std R"/>
+                <a:cs typeface="Adobe 楷体 Std R" panose="02020400000000000000" charset="-122"/>
               </a:rPr>
               <a:t>通俗的讲，移动设备上的viewport就是设备的屏幕上能用来显示我们网页的那一块区域，在具体一点，就是浏览器上(也可能是一个app中的webview)用来显示网页的那部分区域.</a:t>
             </a:r>
@@ -4646,7 +4646,7 @@
                 <a:schemeClr val="tx1"/>
               </a:solidFill>
               <a:latin typeface="+mn-ea"/>
-              <a:cs typeface="Adobe 楷体 Std R"/>
+              <a:cs typeface="Adobe 楷体 Std R" panose="02020400000000000000" charset="-122"/>
             </a:endParaRPr>
           </a:p>
           <a:p>
@@ -4664,7 +4664,7 @@
                 <a:schemeClr val="tx1"/>
               </a:solidFill>
               <a:latin typeface="+mn-ea"/>
-              <a:cs typeface="Adobe 楷体 Std R"/>
+              <a:cs typeface="Adobe 楷体 Std R" panose="02020400000000000000" charset="-122"/>
             </a:endParaRPr>
           </a:p>
           <a:p>
@@ -4683,7 +4683,7 @@
                   <a:schemeClr val="tx1"/>
                 </a:solidFill>
                 <a:latin typeface="+mn-ea"/>
-                <a:cs typeface="Adobe 楷体 Std R"/>
+                <a:cs typeface="Adobe 楷体 Std R" panose="02020400000000000000" charset="-122"/>
               </a:rPr>
               <a:t>  </a:t>
             </a:r>
@@ -4693,7 +4693,7 @@
                   <a:srgbClr val="FF0000"/>
                 </a:solidFill>
                 <a:latin typeface="+mn-ea"/>
-                <a:cs typeface="Adobe 楷体 Std R"/>
+                <a:cs typeface="Adobe 楷体 Std R" panose="02020400000000000000" charset="-122"/>
               </a:rPr>
               <a:t>-</a:t>
             </a:r>
@@ -4703,7 +4703,7 @@
                   <a:schemeClr val="tx1"/>
                 </a:solidFill>
                 <a:latin typeface="+mn-ea"/>
-                <a:cs typeface="Adobe 楷体 Std R"/>
+                <a:cs typeface="Adobe 楷体 Std R" panose="02020400000000000000" charset="-122"/>
               </a:rPr>
               <a:t>但viewport又不局限于浏览器可视区域的大小，它可能比浏览器的可视区域要大，也可能比浏览器的可视区域要小。</a:t>
             </a:r>
@@ -4712,7 +4712,7 @@
                 <a:schemeClr val="tx1"/>
               </a:solidFill>
               <a:latin typeface="+mn-ea"/>
-              <a:cs typeface="Adobe 楷体 Std R"/>
+              <a:cs typeface="Adobe 楷体 Std R" panose="02020400000000000000" charset="-122"/>
             </a:endParaRPr>
           </a:p>
           <a:p>
@@ -4730,7 +4730,7 @@
                 <a:schemeClr val="tx1"/>
               </a:solidFill>
               <a:latin typeface="+mn-ea"/>
-              <a:cs typeface="Adobe 楷体 Std R"/>
+              <a:cs typeface="Adobe 楷体 Std R" panose="02020400000000000000" charset="-122"/>
             </a:endParaRPr>
           </a:p>
           <a:p>
@@ -4749,7 +4749,7 @@
                   <a:schemeClr val="tx1"/>
                 </a:solidFill>
                 <a:latin typeface="+mn-ea"/>
-                <a:cs typeface="Adobe 楷体 Std R"/>
+                <a:cs typeface="Adobe 楷体 Std R" panose="02020400000000000000" charset="-122"/>
               </a:rPr>
               <a:t>  </a:t>
             </a:r>
@@ -4759,7 +4759,7 @@
                   <a:srgbClr val="FF0000"/>
                 </a:solidFill>
                 <a:latin typeface="+mn-ea"/>
-                <a:cs typeface="Adobe 楷体 Std R"/>
+                <a:cs typeface="Adobe 楷体 Std R" panose="02020400000000000000" charset="-122"/>
               </a:rPr>
               <a:t>-</a:t>
             </a:r>
@@ -4769,7 +4769,7 @@
                   <a:schemeClr val="tx1"/>
                 </a:solidFill>
                 <a:latin typeface="+mn-ea"/>
-                <a:cs typeface="Adobe 楷体 Std R"/>
+                <a:cs typeface="Adobe 楷体 Std R" panose="02020400000000000000" charset="-122"/>
               </a:rPr>
               <a:t>移动设备上的浏览器都会把自己默认的viewport设为980px或1024px</a:t>
             </a:r>
@@ -4778,7 +4778,7 @@
                 <a:schemeClr val="tx1"/>
               </a:solidFill>
               <a:latin typeface="+mn-ea"/>
-              <a:cs typeface="Adobe 楷体 Std R"/>
+              <a:cs typeface="Adobe 楷体 Std R" panose="02020400000000000000" charset="-122"/>
             </a:endParaRPr>
           </a:p>
         </p:txBody>
@@ -4908,9 +4908,9 @@
                 <a:solidFill>
                   <a:srgbClr val="FF0000"/>
                 </a:solidFill>
-                <a:latin typeface="Adobe 楷体 Std R"/>
-                <a:ea typeface="Adobe 楷体 Std R"/>
-                <a:cs typeface="Adobe 楷体 Std R"/>
+                <a:latin typeface="Adobe 楷体 Std R" panose="02020400000000000000" charset="-122"/>
+                <a:ea typeface="Adobe 楷体 Std R" panose="02020400000000000000" charset="-122"/>
+                <a:cs typeface="Adobe 楷体 Std R" panose="02020400000000000000" charset="-122"/>
               </a:rPr>
               <a:t>viewport</a:t>
             </a:r>
@@ -4918,9 +4918,9 @@
               <a:solidFill>
                 <a:srgbClr val="FF0000"/>
               </a:solidFill>
-              <a:latin typeface="Adobe 楷体 Std R"/>
-              <a:ea typeface="Adobe 楷体 Std R"/>
-              <a:cs typeface="Adobe 楷体 Std R"/>
+              <a:latin typeface="Adobe 楷体 Std R" panose="02020400000000000000" charset="-122"/>
+              <a:ea typeface="Adobe 楷体 Std R" panose="02020400000000000000" charset="-122"/>
+              <a:cs typeface="Adobe 楷体 Std R" panose="02020400000000000000" charset="-122"/>
             </a:endParaRPr>
           </a:p>
         </p:txBody>
@@ -4957,7 +4957,7 @@
                 </a:solidFill>
                 <a:latin typeface="微软雅黑" panose="020B0503020204020204" charset="-122"/>
                 <a:ea typeface="微软雅黑" panose="020B0503020204020204" charset="-122"/>
-                <a:cs typeface="Adobe 楷体 Std R"/>
+                <a:cs typeface="Adobe 楷体 Std R" panose="02020400000000000000" charset="-122"/>
               </a:rPr>
               <a:t>viewport</a:t>
             </a:r>
@@ -4968,7 +4968,7 @@
                 </a:solidFill>
                 <a:latin typeface="微软雅黑" panose="020B0503020204020204" charset="-122"/>
                 <a:ea typeface="微软雅黑" panose="020B0503020204020204" charset="-122"/>
-                <a:cs typeface="Adobe 楷体 Std R"/>
+                <a:cs typeface="Adobe 楷体 Std R" panose="02020400000000000000" charset="-122"/>
               </a:rPr>
               <a:t>的分类</a:t>
             </a:r>
@@ -4978,7 +4978,7 @@
               </a:solidFill>
               <a:latin typeface="微软雅黑" panose="020B0503020204020204" charset="-122"/>
               <a:ea typeface="微软雅黑" panose="020B0503020204020204" charset="-122"/>
-              <a:cs typeface="Adobe 楷体 Std R"/>
+              <a:cs typeface="Adobe 楷体 Std R" panose="02020400000000000000" charset="-122"/>
             </a:endParaRPr>
           </a:p>
           <a:p>
@@ -4992,7 +4992,7 @@
                 </a:solidFill>
                 <a:latin typeface="微软雅黑" panose="020B0503020204020204" charset="-122"/>
                 <a:ea typeface="微软雅黑" panose="020B0503020204020204" charset="-122"/>
-                <a:cs typeface="Adobe 楷体 Std R"/>
+                <a:cs typeface="Adobe 楷体 Std R" panose="02020400000000000000" charset="-122"/>
               </a:rPr>
               <a:t>  </a:t>
             </a:r>
@@ -5002,7 +5002,7 @@
               </a:solidFill>
               <a:latin typeface="微软雅黑" panose="020B0503020204020204" charset="-122"/>
               <a:ea typeface="微软雅黑" panose="020B0503020204020204" charset="-122"/>
-              <a:cs typeface="Adobe 楷体 Std R"/>
+              <a:cs typeface="Adobe 楷体 Std R" panose="02020400000000000000" charset="-122"/>
             </a:endParaRPr>
           </a:p>
           <a:p>
@@ -5022,7 +5022,7 @@
                 </a:solidFill>
                 <a:latin typeface="微软雅黑" panose="020B0503020204020204" charset="-122"/>
                 <a:ea typeface="微软雅黑" panose="020B0503020204020204" charset="-122"/>
-                <a:cs typeface="Adobe 楷体 Std R"/>
+                <a:cs typeface="Adobe 楷体 Std R" panose="02020400000000000000" charset="-122"/>
               </a:rPr>
               <a:t> </a:t>
             </a:r>
@@ -5032,7 +5032,7 @@
                   <a:srgbClr val="FF0000"/>
                 </a:solidFill>
                 <a:latin typeface="+mn-ea"/>
-                <a:cs typeface="Adobe 楷体 Std R"/>
+                <a:cs typeface="Adobe 楷体 Std R" panose="02020400000000000000" charset="-122"/>
               </a:rPr>
               <a:t> -</a:t>
             </a:r>
@@ -5042,7 +5042,7 @@
                   <a:schemeClr val="tx1"/>
                 </a:solidFill>
                 <a:latin typeface="+mn-ea"/>
-                <a:cs typeface="Adobe 楷体 Std R"/>
+                <a:cs typeface="Adobe 楷体 Std R" panose="02020400000000000000" charset="-122"/>
               </a:rPr>
               <a:t>layout viewport</a:t>
             </a:r>
@@ -5051,7 +5051,7 @@
                 <a:schemeClr val="tx1"/>
               </a:solidFill>
               <a:latin typeface="+mn-ea"/>
-              <a:cs typeface="Adobe 楷体 Std R"/>
+              <a:cs typeface="Adobe 楷体 Std R" panose="02020400000000000000" charset="-122"/>
             </a:endParaRPr>
           </a:p>
           <a:p>
@@ -5070,7 +5070,7 @@
                   <a:srgbClr val="FF0000"/>
                 </a:solidFill>
                 <a:latin typeface="+mn-ea"/>
-                <a:cs typeface="Adobe 楷体 Std R"/>
+                <a:cs typeface="Adobe 楷体 Std R" panose="02020400000000000000" charset="-122"/>
               </a:rPr>
               <a:t>  </a:t>
             </a:r>
@@ -5079,7 +5079,7 @@
                 <a:srgbClr val="FF0000"/>
               </a:solidFill>
               <a:latin typeface="+mn-ea"/>
-              <a:cs typeface="Adobe 楷体 Std R"/>
+              <a:cs typeface="Adobe 楷体 Std R" panose="02020400000000000000" charset="-122"/>
             </a:endParaRPr>
           </a:p>
           <a:p>
@@ -5098,7 +5098,7 @@
                   <a:srgbClr val="FF0000"/>
                 </a:solidFill>
                 <a:latin typeface="+mn-ea"/>
-                <a:cs typeface="Adobe 楷体 Std R"/>
+                <a:cs typeface="Adobe 楷体 Std R" panose="02020400000000000000" charset="-122"/>
               </a:rPr>
               <a:t>  -</a:t>
             </a:r>
@@ -5108,7 +5108,7 @@
                   <a:schemeClr val="tx1"/>
                 </a:solidFill>
                 <a:latin typeface="+mn-ea"/>
-                <a:cs typeface="Adobe 楷体 Std R"/>
+                <a:cs typeface="Adobe 楷体 Std R" panose="02020400000000000000" charset="-122"/>
               </a:rPr>
               <a:t>visual viewport</a:t>
             </a:r>
@@ -5117,7 +5117,7 @@
                 <a:schemeClr val="tx1"/>
               </a:solidFill>
               <a:latin typeface="+mn-ea"/>
-              <a:cs typeface="Adobe 楷体 Std R"/>
+              <a:cs typeface="Adobe 楷体 Std R" panose="02020400000000000000" charset="-122"/>
             </a:endParaRPr>
           </a:p>
           <a:p>
@@ -5135,7 +5135,7 @@
                 <a:schemeClr val="tx1"/>
               </a:solidFill>
               <a:latin typeface="+mn-ea"/>
-              <a:cs typeface="Adobe 楷体 Std R"/>
+              <a:cs typeface="Adobe 楷体 Std R" panose="02020400000000000000" charset="-122"/>
             </a:endParaRPr>
           </a:p>
           <a:p>
@@ -5154,7 +5154,7 @@
                   <a:schemeClr val="tx1"/>
                 </a:solidFill>
                 <a:latin typeface="+mn-ea"/>
-                <a:cs typeface="Adobe 楷体 Std R"/>
+                <a:cs typeface="Adobe 楷体 Std R" panose="02020400000000000000" charset="-122"/>
               </a:rPr>
               <a:t>  </a:t>
             </a:r>
@@ -5163,7 +5163,7 @@
                 <a:schemeClr val="tx1"/>
               </a:solidFill>
               <a:latin typeface="+mn-ea"/>
-              <a:cs typeface="Adobe 楷体 Std R"/>
+              <a:cs typeface="Adobe 楷体 Std R" panose="02020400000000000000" charset="-122"/>
             </a:endParaRPr>
           </a:p>
         </p:txBody>
@@ -5293,9 +5293,9 @@
                 <a:solidFill>
                   <a:srgbClr val="FF0000"/>
                 </a:solidFill>
-                <a:latin typeface="Adobe 楷体 Std R"/>
-                <a:ea typeface="Adobe 楷体 Std R"/>
-                <a:cs typeface="Adobe 楷体 Std R"/>
+                <a:latin typeface="Adobe 楷体 Std R" panose="02020400000000000000" charset="-122"/>
+                <a:ea typeface="Adobe 楷体 Std R" panose="02020400000000000000" charset="-122"/>
+                <a:cs typeface="Adobe 楷体 Std R" panose="02020400000000000000" charset="-122"/>
               </a:rPr>
               <a:t>viewport</a:t>
             </a:r>
@@ -5303,9 +5303,9 @@
               <a:solidFill>
                 <a:srgbClr val="FF0000"/>
               </a:solidFill>
-              <a:latin typeface="Adobe 楷体 Std R"/>
-              <a:ea typeface="Adobe 楷体 Std R"/>
-              <a:cs typeface="Adobe 楷体 Std R"/>
+              <a:latin typeface="Adobe 楷体 Std R" panose="02020400000000000000" charset="-122"/>
+              <a:ea typeface="Adobe 楷体 Std R" panose="02020400000000000000" charset="-122"/>
+              <a:cs typeface="Adobe 楷体 Std R" panose="02020400000000000000" charset="-122"/>
             </a:endParaRPr>
           </a:p>
         </p:txBody>
@@ -5342,7 +5342,7 @@
                 </a:solidFill>
                 <a:latin typeface="微软雅黑" panose="020B0503020204020204" charset="-122"/>
                 <a:ea typeface="微软雅黑" panose="020B0503020204020204" charset="-122"/>
-                <a:cs typeface="Adobe 楷体 Std R"/>
+                <a:cs typeface="Adobe 楷体 Std R" panose="02020400000000000000" charset="-122"/>
               </a:rPr>
               <a:t>viewport</a:t>
             </a:r>
@@ -5353,7 +5353,7 @@
                 </a:solidFill>
                 <a:latin typeface="微软雅黑" panose="020B0503020204020204" charset="-122"/>
                 <a:ea typeface="微软雅黑" panose="020B0503020204020204" charset="-122"/>
-                <a:cs typeface="Adobe 楷体 Std R"/>
+                <a:cs typeface="Adobe 楷体 Std R" panose="02020400000000000000" charset="-122"/>
               </a:rPr>
               <a:t>的设置</a:t>
             </a:r>
@@ -5363,7 +5363,7 @@
               </a:solidFill>
               <a:latin typeface="微软雅黑" panose="020B0503020204020204" charset="-122"/>
               <a:ea typeface="微软雅黑" panose="020B0503020204020204" charset="-122"/>
-              <a:cs typeface="Adobe 楷体 Std R"/>
+              <a:cs typeface="Adobe 楷体 Std R" panose="02020400000000000000" charset="-122"/>
             </a:endParaRPr>
           </a:p>
           <a:p>
@@ -5377,7 +5377,7 @@
                 </a:solidFill>
                 <a:latin typeface="微软雅黑" panose="020B0503020204020204" charset="-122"/>
                 <a:ea typeface="微软雅黑" panose="020B0503020204020204" charset="-122"/>
-                <a:cs typeface="Adobe 楷体 Std R"/>
+                <a:cs typeface="Adobe 楷体 Std R" panose="02020400000000000000" charset="-122"/>
               </a:rPr>
               <a:t>  </a:t>
             </a:r>
@@ -5387,7 +5387,7 @@
               </a:solidFill>
               <a:latin typeface="微软雅黑" panose="020B0503020204020204" charset="-122"/>
               <a:ea typeface="微软雅黑" panose="020B0503020204020204" charset="-122"/>
-              <a:cs typeface="Adobe 楷体 Std R"/>
+              <a:cs typeface="Adobe 楷体 Std R" panose="02020400000000000000" charset="-122"/>
             </a:endParaRPr>
           </a:p>
           <a:p>
@@ -5406,7 +5406,7 @@
                   <a:schemeClr val="tx1"/>
                 </a:solidFill>
                 <a:latin typeface="+mn-ea"/>
-                <a:cs typeface="Adobe 楷体 Std R"/>
+                <a:cs typeface="Adobe 楷体 Std R" panose="02020400000000000000" charset="-122"/>
               </a:rPr>
               <a:t>    &lt;meta name="viewport"</a:t>
             </a:r>
@@ -5415,7 +5415,7 @@
                 <a:schemeClr val="tx1"/>
               </a:solidFill>
               <a:latin typeface="+mn-ea"/>
-              <a:cs typeface="Adobe 楷体 Std R"/>
+              <a:cs typeface="Adobe 楷体 Std R" panose="02020400000000000000" charset="-122"/>
             </a:endParaRPr>
           </a:p>
           <a:p>
@@ -5434,7 +5434,7 @@
                   <a:schemeClr val="tx1"/>
                 </a:solidFill>
                 <a:latin typeface="+mn-ea"/>
-                <a:cs typeface="Adobe 楷体 Std R"/>
+                <a:cs typeface="Adobe 楷体 Std R" panose="02020400000000000000" charset="-122"/>
               </a:rPr>
               <a:t>          content="width=device-width, user-scalable=no, initial-scale=1.0, maximum-scale=1.0, minimum-scale=1.0"&gt;</a:t>
             </a:r>
@@ -5443,7 +5443,7 @@
                 <a:schemeClr val="tx1"/>
               </a:solidFill>
               <a:latin typeface="+mn-ea"/>
-              <a:cs typeface="Adobe 楷体 Std R"/>
+              <a:cs typeface="Adobe 楷体 Std R" panose="02020400000000000000" charset="-122"/>
             </a:endParaRPr>
           </a:p>
           <a:p>
@@ -5461,7 +5461,7 @@
                 <a:schemeClr val="tx1"/>
               </a:solidFill>
               <a:latin typeface="+mn-ea"/>
-              <a:cs typeface="Adobe 楷体 Std R"/>
+              <a:cs typeface="Adobe 楷体 Std R" panose="02020400000000000000" charset="-122"/>
             </a:endParaRPr>
           </a:p>
           <a:p>
@@ -5480,7 +5480,7 @@
                   <a:schemeClr val="tx1"/>
                 </a:solidFill>
                 <a:latin typeface="+mn-ea"/>
-                <a:cs typeface="Adobe 楷体 Std R"/>
+                <a:cs typeface="Adobe 楷体 Std R" panose="02020400000000000000" charset="-122"/>
               </a:rPr>
               <a:t>  </a:t>
             </a:r>
@@ -5489,7 +5489,7 @@
                 <a:schemeClr val="tx1"/>
               </a:solidFill>
               <a:latin typeface="+mn-ea"/>
-              <a:cs typeface="Adobe 楷体 Std R"/>
+              <a:cs typeface="Adobe 楷体 Std R" panose="02020400000000000000" charset="-122"/>
             </a:endParaRPr>
           </a:p>
         </p:txBody>
@@ -5619,9 +5619,9 @@
                 <a:solidFill>
                   <a:srgbClr val="FF0000"/>
                 </a:solidFill>
-                <a:latin typeface="Adobe 楷体 Std R"/>
-                <a:ea typeface="Adobe 楷体 Std R"/>
-                <a:cs typeface="Adobe 楷体 Std R"/>
+                <a:latin typeface="Adobe 楷体 Std R" panose="02020400000000000000" charset="-122"/>
+                <a:ea typeface="Adobe 楷体 Std R" panose="02020400000000000000" charset="-122"/>
+                <a:cs typeface="Adobe 楷体 Std R" panose="02020400000000000000" charset="-122"/>
               </a:rPr>
               <a:t>DPI</a:t>
             </a:r>
@@ -5630,9 +5630,9 @@
                 <a:solidFill>
                   <a:srgbClr val="FF0000"/>
                 </a:solidFill>
-                <a:latin typeface="Adobe 楷体 Std R"/>
-                <a:ea typeface="Adobe 楷体 Std R"/>
-                <a:cs typeface="Adobe 楷体 Std R"/>
+                <a:latin typeface="Adobe 楷体 Std R" panose="02020400000000000000" charset="-122"/>
+                <a:ea typeface="Adobe 楷体 Std R" panose="02020400000000000000" charset="-122"/>
+                <a:cs typeface="Adobe 楷体 Std R" panose="02020400000000000000" charset="-122"/>
               </a:rPr>
               <a:t>适配</a:t>
             </a:r>
@@ -5640,9 +5640,9 @@
               <a:solidFill>
                 <a:srgbClr val="FF0000"/>
               </a:solidFill>
-              <a:latin typeface="Adobe 楷体 Std R"/>
-              <a:ea typeface="Adobe 楷体 Std R"/>
-              <a:cs typeface="Adobe 楷体 Std R"/>
+              <a:latin typeface="Adobe 楷体 Std R" panose="02020400000000000000" charset="-122"/>
+              <a:ea typeface="Adobe 楷体 Std R" panose="02020400000000000000" charset="-122"/>
+              <a:cs typeface="Adobe 楷体 Std R" panose="02020400000000000000" charset="-122"/>
             </a:endParaRPr>
           </a:p>
         </p:txBody>
@@ -5679,7 +5679,7 @@
                 </a:solidFill>
                 <a:latin typeface="微软雅黑" panose="020B0503020204020204" charset="-122"/>
                 <a:ea typeface="微软雅黑" panose="020B0503020204020204" charset="-122"/>
-                <a:cs typeface="Adobe 楷体 Std R"/>
+                <a:cs typeface="Adobe 楷体 Std R" panose="02020400000000000000" charset="-122"/>
               </a:rPr>
               <a:t>css</a:t>
             </a:r>
@@ -5690,7 +5690,7 @@
                 </a:solidFill>
                 <a:latin typeface="微软雅黑" panose="020B0503020204020204" charset="-122"/>
                 <a:ea typeface="微软雅黑" panose="020B0503020204020204" charset="-122"/>
-                <a:cs typeface="Adobe 楷体 Std R"/>
+                <a:cs typeface="Adobe 楷体 Std R" panose="02020400000000000000" charset="-122"/>
               </a:rPr>
               <a:t>中的</a:t>
             </a:r>
@@ -5701,7 +5701,7 @@
                 </a:solidFill>
                 <a:latin typeface="微软雅黑" panose="020B0503020204020204" charset="-122"/>
                 <a:ea typeface="微软雅黑" panose="020B0503020204020204" charset="-122"/>
-                <a:cs typeface="Adobe 楷体 Std R"/>
+                <a:cs typeface="Adobe 楷体 Std R" panose="02020400000000000000" charset="-122"/>
               </a:rPr>
               <a:t>1px</a:t>
             </a:r>
@@ -5712,7 +5712,7 @@
                 </a:solidFill>
                 <a:latin typeface="微软雅黑" panose="020B0503020204020204" charset="-122"/>
                 <a:ea typeface="微软雅黑" panose="020B0503020204020204" charset="-122"/>
-                <a:cs typeface="Adobe 楷体 Std R"/>
+                <a:cs typeface="Adobe 楷体 Std R" panose="02020400000000000000" charset="-122"/>
               </a:rPr>
               <a:t>不是</a:t>
             </a:r>
@@ -5723,7 +5723,7 @@
                 </a:solidFill>
                 <a:latin typeface="微软雅黑" panose="020B0503020204020204" charset="-122"/>
                 <a:ea typeface="微软雅黑" panose="020B0503020204020204" charset="-122"/>
-                <a:cs typeface="Adobe 楷体 Std R"/>
+                <a:cs typeface="Adobe 楷体 Std R" panose="02020400000000000000" charset="-122"/>
               </a:rPr>
               <a:t>1</a:t>
             </a:r>
@@ -5734,7 +5734,7 @@
                 </a:solidFill>
                 <a:latin typeface="微软雅黑" panose="020B0503020204020204" charset="-122"/>
                 <a:ea typeface="微软雅黑" panose="020B0503020204020204" charset="-122"/>
-                <a:cs typeface="Adobe 楷体 Std R"/>
+                <a:cs typeface="Adobe 楷体 Std R" panose="02020400000000000000" charset="-122"/>
               </a:rPr>
               <a:t>像素</a:t>
             </a:r>
@@ -5745,7 +5745,7 @@
                 </a:solidFill>
                 <a:latin typeface="微软雅黑" panose="020B0503020204020204" charset="-122"/>
                 <a:ea typeface="微软雅黑" panose="020B0503020204020204" charset="-122"/>
-                <a:cs typeface="Adobe 楷体 Std R"/>
+                <a:cs typeface="Adobe 楷体 Std R" panose="02020400000000000000" charset="-122"/>
               </a:rPr>
               <a:t>?</a:t>
             </a:r>
@@ -5755,7 +5755,7 @@
               </a:solidFill>
               <a:latin typeface="微软雅黑" panose="020B0503020204020204" charset="-122"/>
               <a:ea typeface="微软雅黑" panose="020B0503020204020204" charset="-122"/>
-              <a:cs typeface="Adobe 楷体 Std R"/>
+              <a:cs typeface="Adobe 楷体 Std R" panose="02020400000000000000" charset="-122"/>
             </a:endParaRPr>
           </a:p>
           <a:p>
@@ -5775,7 +5775,7 @@
                 </a:solidFill>
                 <a:latin typeface="微软雅黑" panose="020B0503020204020204" charset="-122"/>
                 <a:ea typeface="微软雅黑" panose="020B0503020204020204" charset="-122"/>
-                <a:cs typeface="Adobe 楷体 Std R"/>
+                <a:cs typeface="Adobe 楷体 Std R" panose="02020400000000000000" charset="-122"/>
               </a:rPr>
               <a:t>   -</a:t>
             </a:r>
@@ -5786,7 +5786,7 @@
                 </a:solidFill>
                 <a:latin typeface="微软雅黑" panose="020B0503020204020204" charset="-122"/>
                 <a:ea typeface="微软雅黑" panose="020B0503020204020204" charset="-122"/>
-                <a:cs typeface="Adobe 楷体 Std R"/>
+                <a:cs typeface="Adobe 楷体 Std R" panose="02020400000000000000" charset="-122"/>
               </a:rPr>
               <a:t>iphone3，它的分辨率为320x480</a:t>
             </a:r>
@@ -5797,7 +5797,7 @@
                 </a:solidFill>
                 <a:latin typeface="微软雅黑" panose="020B0503020204020204" charset="-122"/>
                 <a:ea typeface="微软雅黑" panose="020B0503020204020204" charset="-122"/>
-                <a:cs typeface="Adobe 楷体 Std R"/>
+                <a:cs typeface="Adobe 楷体 Std R" panose="02020400000000000000" charset="-122"/>
               </a:rPr>
               <a:t>；iphone</a:t>
             </a:r>
@@ -5808,7 +5808,7 @@
                 </a:solidFill>
                 <a:latin typeface="微软雅黑" panose="020B0503020204020204" charset="-122"/>
                 <a:ea typeface="微软雅黑" panose="020B0503020204020204" charset="-122"/>
-                <a:cs typeface="Adobe 楷体 Std R"/>
+                <a:cs typeface="Adobe 楷体 Std R" panose="02020400000000000000" charset="-122"/>
               </a:rPr>
               <a:t>4</a:t>
             </a:r>
@@ -5819,7 +5819,7 @@
                 </a:solidFill>
                 <a:latin typeface="微软雅黑" panose="020B0503020204020204" charset="-122"/>
                 <a:ea typeface="微软雅黑" panose="020B0503020204020204" charset="-122"/>
-                <a:cs typeface="Adobe 楷体 Std R"/>
+                <a:cs typeface="Adobe 楷体 Std R" panose="02020400000000000000" charset="-122"/>
               </a:rPr>
               <a:t>，它的分辨率为</a:t>
             </a:r>
@@ -5830,7 +5830,7 @@
                 </a:solidFill>
                 <a:latin typeface="微软雅黑" panose="020B0503020204020204" charset="-122"/>
                 <a:ea typeface="微软雅黑" panose="020B0503020204020204" charset="-122"/>
-                <a:cs typeface="Adobe 楷体 Std R"/>
+                <a:cs typeface="Adobe 楷体 Std R" panose="02020400000000000000" charset="-122"/>
               </a:rPr>
               <a:t>640</a:t>
             </a:r>
@@ -5841,7 +5841,7 @@
                 </a:solidFill>
                 <a:latin typeface="微软雅黑" panose="020B0503020204020204" charset="-122"/>
                 <a:ea typeface="微软雅黑" panose="020B0503020204020204" charset="-122"/>
-                <a:cs typeface="Adobe 楷体 Std R"/>
+                <a:cs typeface="Adobe 楷体 Std R" panose="02020400000000000000" charset="-122"/>
               </a:rPr>
               <a:t>x</a:t>
             </a:r>
@@ -5852,7 +5852,7 @@
                 </a:solidFill>
                 <a:latin typeface="微软雅黑" panose="020B0503020204020204" charset="-122"/>
                 <a:ea typeface="微软雅黑" panose="020B0503020204020204" charset="-122"/>
-                <a:cs typeface="Adobe 楷体 Std R"/>
+                <a:cs typeface="Adobe 楷体 Std R" panose="02020400000000000000" charset="-122"/>
               </a:rPr>
               <a:t>960</a:t>
             </a:r>
@@ -5863,7 +5863,7 @@
                 </a:solidFill>
                 <a:latin typeface="微软雅黑" panose="020B0503020204020204" charset="-122"/>
                 <a:ea typeface="微软雅黑" panose="020B0503020204020204" charset="-122"/>
-                <a:cs typeface="Adobe 楷体 Std R"/>
+                <a:cs typeface="Adobe 楷体 Std R" panose="02020400000000000000" charset="-122"/>
               </a:rPr>
               <a:t>；但是两款手机的实际宽度都是</a:t>
             </a:r>
@@ -5874,7 +5874,7 @@
                 </a:solidFill>
                 <a:latin typeface="微软雅黑" panose="020B0503020204020204" charset="-122"/>
                 <a:ea typeface="微软雅黑" panose="020B0503020204020204" charset="-122"/>
-                <a:cs typeface="Adobe 楷体 Std R"/>
+                <a:cs typeface="Adobe 楷体 Std R" panose="02020400000000000000" charset="-122"/>
               </a:rPr>
               <a:t>320px</a:t>
             </a:r>
@@ -5885,7 +5885,7 @@
                 </a:solidFill>
                 <a:latin typeface="微软雅黑" panose="020B0503020204020204" charset="-122"/>
                 <a:ea typeface="微软雅黑" panose="020B0503020204020204" charset="-122"/>
-                <a:cs typeface="Adobe 楷体 Std R"/>
+                <a:cs typeface="Adobe 楷体 Std R" panose="02020400000000000000" charset="-122"/>
               </a:rPr>
               <a:t>的；这样就导致了屏幕尺寸没变化，像素却多了一倍，这时，一个css像素是等于两个物理像素的；用</a:t>
             </a:r>
@@ -5896,7 +5896,7 @@
                 </a:solidFill>
                 <a:latin typeface="微软雅黑" panose="020B0503020204020204" charset="-122"/>
                 <a:ea typeface="微软雅黑" panose="020B0503020204020204" charset="-122"/>
-                <a:cs typeface="Adobe 楷体 Std R"/>
+                <a:cs typeface="Adobe 楷体 Std R" panose="02020400000000000000" charset="-122"/>
               </a:rPr>
               <a:t>window.devicePixelRatio</a:t>
             </a:r>
@@ -5907,7 +5907,7 @@
                 </a:solidFill>
                 <a:latin typeface="微软雅黑" panose="020B0503020204020204" charset="-122"/>
                 <a:ea typeface="微软雅黑" panose="020B0503020204020204" charset="-122"/>
-                <a:cs typeface="Adobe 楷体 Std R"/>
+                <a:cs typeface="Adobe 楷体 Std R" panose="02020400000000000000" charset="-122"/>
               </a:rPr>
               <a:t>检测的结果是</a:t>
             </a:r>
@@ -5918,7 +5918,7 @@
                 </a:solidFill>
                 <a:latin typeface="微软雅黑" panose="020B0503020204020204" charset="-122"/>
                 <a:ea typeface="微软雅黑" panose="020B0503020204020204" charset="-122"/>
-                <a:cs typeface="Adobe 楷体 Std R"/>
+                <a:cs typeface="Adobe 楷体 Std R" panose="02020400000000000000" charset="-122"/>
               </a:rPr>
               <a:t>2</a:t>
             </a:r>
@@ -5929,7 +5929,7 @@
                 </a:solidFill>
                 <a:latin typeface="微软雅黑" panose="020B0503020204020204" charset="-122"/>
                 <a:ea typeface="微软雅黑" panose="020B0503020204020204" charset="-122"/>
-                <a:cs typeface="Adobe 楷体 Std R"/>
+                <a:cs typeface="Adobe 楷体 Std R" panose="02020400000000000000" charset="-122"/>
               </a:rPr>
               <a:t>；</a:t>
             </a:r>
@@ -5939,7 +5939,7 @@
               </a:solidFill>
               <a:latin typeface="微软雅黑" panose="020B0503020204020204" charset="-122"/>
               <a:ea typeface="微软雅黑" panose="020B0503020204020204" charset="-122"/>
-              <a:cs typeface="Adobe 楷体 Std R"/>
+              <a:cs typeface="Adobe 楷体 Std R" panose="02020400000000000000" charset="-122"/>
             </a:endParaRPr>
           </a:p>
           <a:p>
@@ -5958,7 +5958,7 @@
               </a:solidFill>
               <a:latin typeface="微软雅黑" panose="020B0503020204020204" charset="-122"/>
               <a:ea typeface="微软雅黑" panose="020B0503020204020204" charset="-122"/>
-              <a:cs typeface="Adobe 楷体 Std R"/>
+              <a:cs typeface="Adobe 楷体 Std R" panose="02020400000000000000" charset="-122"/>
             </a:endParaRPr>
           </a:p>
           <a:p>
@@ -5978,7 +5978,7 @@
                 </a:solidFill>
                 <a:latin typeface="微软雅黑" panose="020B0503020204020204" charset="-122"/>
                 <a:ea typeface="微软雅黑" panose="020B0503020204020204" charset="-122"/>
-                <a:cs typeface="Adobe 楷体 Std R"/>
+                <a:cs typeface="Adobe 楷体 Std R" panose="02020400000000000000" charset="-122"/>
               </a:rPr>
               <a:t>DPI</a:t>
             </a:r>
@@ -5989,7 +5989,7 @@
                 </a:solidFill>
                 <a:latin typeface="微软雅黑" panose="020B0503020204020204" charset="-122"/>
                 <a:ea typeface="微软雅黑" panose="020B0503020204020204" charset="-122"/>
-                <a:cs typeface="Adobe 楷体 Std R"/>
+                <a:cs typeface="Adobe 楷体 Std R" panose="02020400000000000000" charset="-122"/>
               </a:rPr>
               <a:t>适配技巧</a:t>
             </a:r>
@@ -5999,7 +5999,7 @@
               </a:solidFill>
               <a:latin typeface="微软雅黑" panose="020B0503020204020204" charset="-122"/>
               <a:ea typeface="微软雅黑" panose="020B0503020204020204" charset="-122"/>
-              <a:cs typeface="Adobe 楷体 Std R"/>
+              <a:cs typeface="Adobe 楷体 Std R" panose="02020400000000000000" charset="-122"/>
             </a:endParaRPr>
           </a:p>
           <a:p>
@@ -6019,7 +6019,7 @@
                 </a:solidFill>
                 <a:latin typeface="微软雅黑" panose="020B0503020204020204" charset="-122"/>
                 <a:ea typeface="微软雅黑" panose="020B0503020204020204" charset="-122"/>
-                <a:cs typeface="Adobe 楷体 Std R"/>
+                <a:cs typeface="Adobe 楷体 Std R" panose="02020400000000000000" charset="-122"/>
               </a:rPr>
               <a:t>   </a:t>
             </a:r>
@@ -6030,7 +6030,7 @@
                 </a:solidFill>
                 <a:latin typeface="微软雅黑" panose="020B0503020204020204" charset="-122"/>
                 <a:ea typeface="微软雅黑" panose="020B0503020204020204" charset="-122"/>
-                <a:cs typeface="Adobe 楷体 Std R"/>
+                <a:cs typeface="Adobe 楷体 Std R" panose="02020400000000000000" charset="-122"/>
               </a:rPr>
               <a:t>-</a:t>
             </a:r>
@@ -6041,7 +6041,7 @@
                 </a:solidFill>
                 <a:latin typeface="微软雅黑" panose="020B0503020204020204" charset="-122"/>
                 <a:ea typeface="微软雅黑" panose="020B0503020204020204" charset="-122"/>
-                <a:cs typeface="Adobe 楷体 Std R"/>
+                <a:cs typeface="Adobe 楷体 Std R" panose="02020400000000000000" charset="-122"/>
               </a:rPr>
               <a:t>准备多张图  </a:t>
             </a:r>
@@ -6052,7 +6052,7 @@
                 </a:solidFill>
                 <a:latin typeface="微软雅黑" panose="020B0503020204020204" charset="-122"/>
                 <a:ea typeface="微软雅黑" panose="020B0503020204020204" charset="-122"/>
-                <a:cs typeface="Adobe 楷体 Std R"/>
+                <a:cs typeface="Adobe 楷体 Std R" panose="02020400000000000000" charset="-122"/>
               </a:rPr>
               <a:t>xxx.png  xxx@2x.png  xxx@3x.png ....</a:t>
             </a:r>
@@ -6062,7 +6062,7 @@
               </a:solidFill>
               <a:latin typeface="微软雅黑" panose="020B0503020204020204" charset="-122"/>
               <a:ea typeface="微软雅黑" panose="020B0503020204020204" charset="-122"/>
-              <a:cs typeface="Adobe 楷体 Std R"/>
+              <a:cs typeface="Adobe 楷体 Std R" panose="02020400000000000000" charset="-122"/>
             </a:endParaRPr>
           </a:p>
         </p:txBody>
@@ -6168,9 +6168,9 @@
                 <a:solidFill>
                   <a:srgbClr val="FF0000"/>
                 </a:solidFill>
-                <a:latin typeface="Adobe 楷体 Std R"/>
-                <a:ea typeface="Adobe 楷体 Std R"/>
-                <a:cs typeface="Adobe 楷体 Std R"/>
+                <a:latin typeface="Adobe 楷体 Std R" panose="02020400000000000000" charset="-122"/>
+                <a:ea typeface="Adobe 楷体 Std R" panose="02020400000000000000" charset="-122"/>
+                <a:cs typeface="Adobe 楷体 Std R" panose="02020400000000000000" charset="-122"/>
               </a:rPr>
               <a:t>媒体查询</a:t>
             </a:r>
@@ -6179,9 +6179,9 @@
                 <a:solidFill>
                   <a:srgbClr val="FF0000"/>
                 </a:solidFill>
-                <a:latin typeface="Adobe 楷体 Std R"/>
-                <a:ea typeface="Adobe 楷体 Std R"/>
-                <a:cs typeface="Adobe 楷体 Std R"/>
+                <a:latin typeface="Adobe 楷体 Std R" panose="02020400000000000000" charset="-122"/>
+                <a:ea typeface="Adobe 楷体 Std R" panose="02020400000000000000" charset="-122"/>
+                <a:cs typeface="Adobe 楷体 Std R" panose="02020400000000000000" charset="-122"/>
               </a:rPr>
               <a:t>@media</a:t>
             </a:r>
@@ -6189,9 +6189,9 @@
               <a:solidFill>
                 <a:srgbClr val="FF0000"/>
               </a:solidFill>
-              <a:latin typeface="Adobe 楷体 Std R"/>
-              <a:ea typeface="Adobe 楷体 Std R"/>
-              <a:cs typeface="Adobe 楷体 Std R"/>
+              <a:latin typeface="Adobe 楷体 Std R" panose="02020400000000000000" charset="-122"/>
+              <a:ea typeface="Adobe 楷体 Std R" panose="02020400000000000000" charset="-122"/>
+              <a:cs typeface="Adobe 楷体 Std R" panose="02020400000000000000" charset="-122"/>
             </a:endParaRPr>
           </a:p>
         </p:txBody>
@@ -6228,7 +6228,7 @@
                 </a:solidFill>
                 <a:latin typeface="微软雅黑" panose="020B0503020204020204" charset="-122"/>
                 <a:ea typeface="微软雅黑" panose="020B0503020204020204" charset="-122"/>
-                <a:cs typeface="Adobe 楷体 Std R"/>
+                <a:cs typeface="Adobe 楷体 Std R" panose="02020400000000000000" charset="-122"/>
               </a:rPr>
               <a:t>Media Type</a:t>
             </a:r>
@@ -6238,7 +6238,7 @@
               </a:solidFill>
               <a:latin typeface="微软雅黑" panose="020B0503020204020204" charset="-122"/>
               <a:ea typeface="微软雅黑" panose="020B0503020204020204" charset="-122"/>
-              <a:cs typeface="Adobe 楷体 Std R"/>
+              <a:cs typeface="Adobe 楷体 Std R" panose="02020400000000000000" charset="-122"/>
             </a:endParaRPr>
           </a:p>
           <a:p>
@@ -6258,7 +6258,7 @@
                 </a:solidFill>
                 <a:latin typeface="微软雅黑" panose="020B0503020204020204" charset="-122"/>
                 <a:ea typeface="微软雅黑" panose="020B0503020204020204" charset="-122"/>
-                <a:cs typeface="Adobe 楷体 Std R"/>
+                <a:cs typeface="Adobe 楷体 Std R" panose="02020400000000000000" charset="-122"/>
               </a:rPr>
               <a:t>   </a:t>
             </a:r>
@@ -6269,7 +6269,7 @@
                 </a:solidFill>
                 <a:latin typeface="微软雅黑" panose="020B0503020204020204" charset="-122"/>
                 <a:ea typeface="微软雅黑" panose="020B0503020204020204" charset="-122"/>
-                <a:cs typeface="Adobe 楷体 Std R"/>
+                <a:cs typeface="Adobe 楷体 Std R" panose="02020400000000000000" charset="-122"/>
               </a:rPr>
               <a:t>all  </a:t>
             </a:r>
@@ -6280,7 +6280,7 @@
                 </a:solidFill>
                 <a:latin typeface="微软雅黑" panose="020B0503020204020204" charset="-122"/>
                 <a:ea typeface="微软雅黑" panose="020B0503020204020204" charset="-122"/>
-                <a:cs typeface="Adobe 楷体 Std R"/>
+                <a:cs typeface="Adobe 楷体 Std R" panose="02020400000000000000" charset="-122"/>
               </a:rPr>
               <a:t>所有设备</a:t>
             </a:r>
@@ -6290,7 +6290,7 @@
               </a:solidFill>
               <a:latin typeface="微软雅黑" panose="020B0503020204020204" charset="-122"/>
               <a:ea typeface="微软雅黑" panose="020B0503020204020204" charset="-122"/>
-              <a:cs typeface="Adobe 楷体 Std R"/>
+              <a:cs typeface="Adobe 楷体 Std R" panose="02020400000000000000" charset="-122"/>
             </a:endParaRPr>
           </a:p>
           <a:p>
@@ -6310,7 +6310,7 @@
                 </a:solidFill>
                 <a:latin typeface="微软雅黑" panose="020B0503020204020204" charset="-122"/>
                 <a:ea typeface="微软雅黑" panose="020B0503020204020204" charset="-122"/>
-                <a:cs typeface="Adobe 楷体 Std R"/>
+                <a:cs typeface="Adobe 楷体 Std R" panose="02020400000000000000" charset="-122"/>
               </a:rPr>
               <a:t>    </a:t>
             </a:r>
@@ -6321,7 +6321,7 @@
                 </a:solidFill>
                 <a:latin typeface="微软雅黑" panose="020B0503020204020204" charset="-122"/>
                 <a:ea typeface="微软雅黑" panose="020B0503020204020204" charset="-122"/>
-                <a:cs typeface="Adobe 楷体 Std R"/>
+                <a:cs typeface="Adobe 楷体 Std R" panose="02020400000000000000" charset="-122"/>
               </a:rPr>
               <a:t>screen  </a:t>
             </a:r>
@@ -6332,7 +6332,7 @@
                 </a:solidFill>
                 <a:latin typeface="微软雅黑" panose="020B0503020204020204" charset="-122"/>
                 <a:ea typeface="微软雅黑" panose="020B0503020204020204" charset="-122"/>
-                <a:cs typeface="Adobe 楷体 Std R"/>
+                <a:cs typeface="Adobe 楷体 Std R" panose="02020400000000000000" charset="-122"/>
               </a:rPr>
               <a:t>所有的屏幕设备</a:t>
             </a:r>
@@ -6342,7 +6342,7 @@
               </a:solidFill>
               <a:latin typeface="微软雅黑" panose="020B0503020204020204" charset="-122"/>
               <a:ea typeface="微软雅黑" panose="020B0503020204020204" charset="-122"/>
-              <a:cs typeface="Adobe 楷体 Std R"/>
+              <a:cs typeface="Adobe 楷体 Std R" panose="02020400000000000000" charset="-122"/>
             </a:endParaRPr>
           </a:p>
           <a:p>
@@ -6362,7 +6362,7 @@
                 </a:solidFill>
                 <a:latin typeface="微软雅黑" panose="020B0503020204020204" charset="-122"/>
                 <a:ea typeface="微软雅黑" panose="020B0503020204020204" charset="-122"/>
-                <a:cs typeface="Adobe 楷体 Std R"/>
+                <a:cs typeface="Adobe 楷体 Std R" panose="02020400000000000000" charset="-122"/>
               </a:rPr>
               <a:t>    </a:t>
             </a:r>
@@ -6373,7 +6373,7 @@
                 </a:solidFill>
                 <a:latin typeface="微软雅黑" panose="020B0503020204020204" charset="-122"/>
                 <a:ea typeface="微软雅黑" panose="020B0503020204020204" charset="-122"/>
-                <a:cs typeface="Adobe 楷体 Std R"/>
+                <a:cs typeface="Adobe 楷体 Std R" panose="02020400000000000000" charset="-122"/>
               </a:rPr>
               <a:t>print </a:t>
             </a:r>
@@ -6384,7 +6384,7 @@
                 </a:solidFill>
                 <a:latin typeface="微软雅黑" panose="020B0503020204020204" charset="-122"/>
                 <a:ea typeface="微软雅黑" panose="020B0503020204020204" charset="-122"/>
-                <a:cs typeface="Adobe 楷体 Std R"/>
+                <a:cs typeface="Adobe 楷体 Std R" panose="02020400000000000000" charset="-122"/>
               </a:rPr>
               <a:t>打印机设备</a:t>
             </a:r>
@@ -6394,7 +6394,7 @@
               </a:solidFill>
               <a:latin typeface="微软雅黑" panose="020B0503020204020204" charset="-122"/>
               <a:ea typeface="微软雅黑" panose="020B0503020204020204" charset="-122"/>
-              <a:cs typeface="Adobe 楷体 Std R"/>
+              <a:cs typeface="Adobe 楷体 Std R" panose="02020400000000000000" charset="-122"/>
             </a:endParaRPr>
           </a:p>
           <a:p>
@@ -6414,7 +6414,7 @@
                 </a:solidFill>
                 <a:latin typeface="微软雅黑" panose="020B0503020204020204" charset="-122"/>
                 <a:ea typeface="微软雅黑" panose="020B0503020204020204" charset="-122"/>
-                <a:cs typeface="Adobe 楷体 Std R"/>
+                <a:cs typeface="Adobe 楷体 Std R" panose="02020400000000000000" charset="-122"/>
               </a:rPr>
               <a:t>    </a:t>
             </a:r>
@@ -6425,7 +6425,7 @@
                 </a:solidFill>
                 <a:latin typeface="微软雅黑" panose="020B0503020204020204" charset="-122"/>
                 <a:ea typeface="微软雅黑" panose="020B0503020204020204" charset="-122"/>
-                <a:cs typeface="Adobe 楷体 Std R"/>
+                <a:cs typeface="Adobe 楷体 Std R" panose="02020400000000000000" charset="-122"/>
               </a:rPr>
               <a:t>...</a:t>
             </a:r>
@@ -6435,7 +6435,7 @@
               </a:solidFill>
               <a:latin typeface="微软雅黑" panose="020B0503020204020204" charset="-122"/>
               <a:ea typeface="微软雅黑" panose="020B0503020204020204" charset="-122"/>
-              <a:cs typeface="Adobe 楷体 Std R"/>
+              <a:cs typeface="Adobe 楷体 Std R" panose="02020400000000000000" charset="-122"/>
             </a:endParaRPr>
           </a:p>
           <a:p>
@@ -6455,7 +6455,7 @@
                 </a:solidFill>
                 <a:latin typeface="微软雅黑" panose="020B0503020204020204" charset="-122"/>
                 <a:ea typeface="微软雅黑" panose="020B0503020204020204" charset="-122"/>
-                <a:cs typeface="Adobe 楷体 Std R"/>
+                <a:cs typeface="Adobe 楷体 Std R" panose="02020400000000000000" charset="-122"/>
               </a:rPr>
               <a:t>Media Query</a:t>
             </a:r>
@@ -6465,7 +6465,7 @@
               </a:solidFill>
               <a:latin typeface="微软雅黑" panose="020B0503020204020204" charset="-122"/>
               <a:ea typeface="微软雅黑" panose="020B0503020204020204" charset="-122"/>
-              <a:cs typeface="Adobe 楷体 Std R"/>
+              <a:cs typeface="Adobe 楷体 Std R" panose="02020400000000000000" charset="-122"/>
             </a:endParaRPr>
           </a:p>
           <a:p>
@@ -6484,7 +6484,7 @@
                   <a:schemeClr val="tx1"/>
                 </a:solidFill>
                 <a:latin typeface="+mn-ea"/>
-                <a:cs typeface="Adobe 楷体 Std R"/>
+                <a:cs typeface="Adobe 楷体 Std R" panose="02020400000000000000" charset="-122"/>
               </a:rPr>
               <a:t>    width</a:t>
             </a:r>
@@ -6494,7 +6494,7 @@
                   <a:schemeClr val="tx1"/>
                 </a:solidFill>
                 <a:latin typeface="+mn-ea"/>
-                <a:cs typeface="Adobe 楷体 Std R"/>
+                <a:cs typeface="Adobe 楷体 Std R" panose="02020400000000000000" charset="-122"/>
               </a:rPr>
               <a:t>、</a:t>
             </a:r>
@@ -6504,7 +6504,7 @@
                   <a:schemeClr val="tx1"/>
                 </a:solidFill>
                 <a:latin typeface="+mn-ea"/>
-                <a:cs typeface="Adobe 楷体 Std R"/>
+                <a:cs typeface="Adobe 楷体 Std R" panose="02020400000000000000" charset="-122"/>
               </a:rPr>
               <a:t>height</a:t>
             </a:r>
@@ -6513,7 +6513,7 @@
                 <a:schemeClr val="tx1"/>
               </a:solidFill>
               <a:latin typeface="+mn-ea"/>
-              <a:cs typeface="Adobe 楷体 Std R"/>
+              <a:cs typeface="Adobe 楷体 Std R" panose="02020400000000000000" charset="-122"/>
             </a:endParaRPr>
           </a:p>
           <a:p>
@@ -6532,7 +6532,7 @@
                   <a:schemeClr val="tx1"/>
                 </a:solidFill>
                 <a:latin typeface="+mn-ea"/>
-                <a:cs typeface="Adobe 楷体 Std R"/>
+                <a:cs typeface="Adobe 楷体 Std R" panose="02020400000000000000" charset="-122"/>
               </a:rPr>
               <a:t>    device-width</a:t>
             </a:r>
@@ -6542,7 +6542,7 @@
                   <a:schemeClr val="tx1"/>
                 </a:solidFill>
                 <a:latin typeface="+mn-ea"/>
-                <a:cs typeface="Adobe 楷体 Std R"/>
+                <a:cs typeface="Adobe 楷体 Std R" panose="02020400000000000000" charset="-122"/>
               </a:rPr>
               <a:t>、</a:t>
             </a:r>
@@ -6552,7 +6552,7 @@
                   <a:schemeClr val="tx1"/>
                 </a:solidFill>
                 <a:latin typeface="+mn-ea"/>
-                <a:cs typeface="Adobe 楷体 Std R"/>
+                <a:cs typeface="Adobe 楷体 Std R" panose="02020400000000000000" charset="-122"/>
               </a:rPr>
               <a:t>device-height</a:t>
             </a:r>
@@ -6561,7 +6561,7 @@
                 <a:schemeClr val="tx1"/>
               </a:solidFill>
               <a:latin typeface="+mn-ea"/>
-              <a:cs typeface="Adobe 楷体 Std R"/>
+              <a:cs typeface="Adobe 楷体 Std R" panose="02020400000000000000" charset="-122"/>
             </a:endParaRPr>
           </a:p>
           <a:p>
@@ -6580,7 +6580,7 @@
                   <a:schemeClr val="tx1"/>
                 </a:solidFill>
                 <a:latin typeface="+mn-ea"/>
-                <a:cs typeface="Adobe 楷体 Std R"/>
+                <a:cs typeface="Adobe 楷体 Std R" panose="02020400000000000000" charset="-122"/>
               </a:rPr>
               <a:t>    </a:t>
             </a:r>
@@ -6588,7 +6588,7 @@
               <a:rPr lang="en-US" altLang="zh-CN" sz="2000" dirty="0" smtClean="0">
                 <a:latin typeface="微软雅黑" panose="020B0503020204020204" charset="-122"/>
                 <a:ea typeface="微软雅黑" panose="020B0503020204020204" charset="-122"/>
-                <a:cs typeface="Adobe 楷体 Std R"/>
+                <a:cs typeface="Adobe 楷体 Std R" panose="02020400000000000000" charset="-122"/>
                 <a:sym typeface="+mn-ea"/>
               </a:rPr>
               <a:t>device</a:t>
@@ -6597,7 +6597,7 @@
               <a:rPr lang="en-US" altLang="zh-CN" sz="2000" dirty="0">
                 <a:latin typeface="微软雅黑" panose="020B0503020204020204" charset="-122"/>
                 <a:ea typeface="微软雅黑" panose="020B0503020204020204" charset="-122"/>
-                <a:cs typeface="Adobe 楷体 Std R"/>
+                <a:cs typeface="Adobe 楷体 Std R" panose="02020400000000000000" charset="-122"/>
                 <a:sym typeface="+mn-ea"/>
               </a:rPr>
               <a:t>-pixel-</a:t>
@@ -6606,7 +6606,7 @@
               <a:rPr lang="en-US" altLang="zh-CN" sz="2000" dirty="0" smtClean="0">
                 <a:latin typeface="微软雅黑" panose="020B0503020204020204" charset="-122"/>
                 <a:ea typeface="微软雅黑" panose="020B0503020204020204" charset="-122"/>
-                <a:cs typeface="Adobe 楷体 Std R"/>
+                <a:cs typeface="Adobe 楷体 Std R" panose="02020400000000000000" charset="-122"/>
                 <a:sym typeface="+mn-ea"/>
               </a:rPr>
               <a:t>ratio</a:t>
@@ -6614,7 +6614,7 @@
             <a:endParaRPr lang="en-US" altLang="zh-CN" sz="2000" dirty="0" smtClean="0">
               <a:latin typeface="微软雅黑" panose="020B0503020204020204" charset="-122"/>
               <a:ea typeface="微软雅黑" panose="020B0503020204020204" charset="-122"/>
-              <a:cs typeface="Adobe 楷体 Std R"/>
+              <a:cs typeface="Adobe 楷体 Std R" panose="02020400000000000000" charset="-122"/>
               <a:sym typeface="+mn-ea"/>
             </a:endParaRPr>
           </a:p>
@@ -6632,7 +6632,7 @@
               <a:rPr lang="en-US" altLang="zh-CN" sz="2000" dirty="0" smtClean="0">
                 <a:latin typeface="微软雅黑" panose="020B0503020204020204" charset="-122"/>
                 <a:ea typeface="微软雅黑" panose="020B0503020204020204" charset="-122"/>
-                <a:cs typeface="Adobe 楷体 Std R"/>
+                <a:cs typeface="Adobe 楷体 Std R" panose="02020400000000000000" charset="-122"/>
                 <a:sym typeface="+mn-ea"/>
               </a:rPr>
               <a:t>    </a:t>
@@ -6641,7 +6641,7 @@
               <a:rPr lang="en-US" altLang="zh-CN" sz="2000" dirty="0">
                 <a:latin typeface="微软雅黑" panose="020B0503020204020204" charset="-122"/>
                 <a:ea typeface="微软雅黑" panose="020B0503020204020204" charset="-122"/>
-                <a:cs typeface="Adobe 楷体 Std R"/>
+                <a:cs typeface="Adobe 楷体 Std R" panose="02020400000000000000" charset="-122"/>
                 <a:sym typeface="+mn-ea"/>
               </a:rPr>
               <a:t>orientation </a:t>
@@ -6650,7 +6650,7 @@
               <a:rPr lang="zh-CN" altLang="en-US" sz="2000" dirty="0">
                 <a:latin typeface="微软雅黑" panose="020B0503020204020204" charset="-122"/>
                 <a:ea typeface="微软雅黑" panose="020B0503020204020204" charset="-122"/>
-                <a:cs typeface="Adobe 楷体 Std R"/>
+                <a:cs typeface="Adobe 楷体 Std R" panose="02020400000000000000" charset="-122"/>
                 <a:sym typeface="+mn-ea"/>
               </a:rPr>
               <a:t>检测横</a:t>
@@ -6659,7 +6659,7 @@
               <a:rPr lang="en-US" altLang="zh-CN" sz="2000" dirty="0">
                 <a:latin typeface="微软雅黑" panose="020B0503020204020204" charset="-122"/>
                 <a:ea typeface="微软雅黑" panose="020B0503020204020204" charset="-122"/>
-                <a:cs typeface="Adobe 楷体 Std R"/>
+                <a:cs typeface="Adobe 楷体 Std R" panose="02020400000000000000" charset="-122"/>
                 <a:sym typeface="+mn-ea"/>
               </a:rPr>
               <a:t>(</a:t>
@@ -6668,7 +6668,7 @@
               <a:rPr lang="en-US" altLang="zh-CN" sz="2000" dirty="0" smtClean="0">
                 <a:latin typeface="微软雅黑" panose="020B0503020204020204" charset="-122"/>
                 <a:ea typeface="微软雅黑" panose="020B0503020204020204" charset="-122"/>
-                <a:cs typeface="Adobe 楷体 Std R"/>
+                <a:cs typeface="Adobe 楷体 Std R" panose="02020400000000000000" charset="-122"/>
                 <a:sym typeface="+mn-ea"/>
               </a:rPr>
               <a:t>landscape</a:t>
@@ -6677,7 +6677,7 @@
               <a:rPr lang="en-US" altLang="zh-CN" sz="2000" dirty="0">
                 <a:latin typeface="微软雅黑" panose="020B0503020204020204" charset="-122"/>
                 <a:ea typeface="微软雅黑" panose="020B0503020204020204" charset="-122"/>
-                <a:cs typeface="Adobe 楷体 Std R"/>
+                <a:cs typeface="Adobe 楷体 Std R" panose="02020400000000000000" charset="-122"/>
                 <a:sym typeface="+mn-ea"/>
               </a:rPr>
               <a:t>) </a:t>
@@ -6686,7 +6686,7 @@
               <a:rPr lang="zh-CN" altLang="en-US" sz="2000" dirty="0">
                 <a:latin typeface="微软雅黑" panose="020B0503020204020204" charset="-122"/>
                 <a:ea typeface="微软雅黑" panose="020B0503020204020204" charset="-122"/>
-                <a:cs typeface="Adobe 楷体 Std R"/>
+                <a:cs typeface="Adobe 楷体 Std R" panose="02020400000000000000" charset="-122"/>
                 <a:sym typeface="+mn-ea"/>
               </a:rPr>
               <a:t>竖屏</a:t>
@@ -6695,7 +6695,7 @@
               <a:rPr lang="en-US" altLang="zh-CN" sz="2000" dirty="0">
                 <a:latin typeface="微软雅黑" panose="020B0503020204020204" charset="-122"/>
                 <a:ea typeface="微软雅黑" panose="020B0503020204020204" charset="-122"/>
-                <a:cs typeface="Adobe 楷体 Std R"/>
+                <a:cs typeface="Adobe 楷体 Std R" panose="02020400000000000000" charset="-122"/>
                 <a:sym typeface="+mn-ea"/>
               </a:rPr>
               <a:t>(</a:t>
@@ -6704,7 +6704,7 @@
               <a:rPr lang="en-US" altLang="zh-CN" sz="2000" dirty="0" smtClean="0">
                 <a:latin typeface="微软雅黑" panose="020B0503020204020204" charset="-122"/>
                 <a:ea typeface="微软雅黑" panose="020B0503020204020204" charset="-122"/>
-                <a:cs typeface="Adobe 楷体 Std R"/>
+                <a:cs typeface="Adobe 楷体 Std R" panose="02020400000000000000" charset="-122"/>
                 <a:sym typeface="+mn-ea"/>
               </a:rPr>
               <a:t>portrait</a:t>
@@ -6713,7 +6713,7 @@
               <a:rPr lang="en-US" altLang="zh-CN" sz="2000" dirty="0">
                 <a:latin typeface="微软雅黑" panose="020B0503020204020204" charset="-122"/>
                 <a:ea typeface="微软雅黑" panose="020B0503020204020204" charset="-122"/>
-                <a:cs typeface="Adobe 楷体 Std R"/>
+                <a:cs typeface="Adobe 楷体 Std R" panose="02020400000000000000" charset="-122"/>
                 <a:sym typeface="+mn-ea"/>
               </a:rPr>
               <a:t>)</a:t>
@@ -6724,7 +6724,7 @@
               </a:solidFill>
               <a:latin typeface="微软雅黑" panose="020B0503020204020204" charset="-122"/>
               <a:ea typeface="微软雅黑" panose="020B0503020204020204" charset="-122"/>
-              <a:cs typeface="Adobe 楷体 Std R"/>
+              <a:cs typeface="Adobe 楷体 Std R" panose="02020400000000000000" charset="-122"/>
               <a:sym typeface="+mn-ea"/>
             </a:endParaRPr>
           </a:p>
@@ -6744,7 +6744,7 @@
                   <a:schemeClr val="tx1"/>
                 </a:solidFill>
                 <a:latin typeface="+mn-ea"/>
-                <a:cs typeface="Adobe 楷体 Std R"/>
+                <a:cs typeface="Adobe 楷体 Std R" panose="02020400000000000000" charset="-122"/>
               </a:rPr>
               <a:t>     ...</a:t>
             </a:r>
@@ -6753,7 +6753,7 @@
                 <a:schemeClr val="tx1"/>
               </a:solidFill>
               <a:latin typeface="+mn-ea"/>
-              <a:cs typeface="Adobe 楷体 Std R"/>
+              <a:cs typeface="Adobe 楷体 Std R" panose="02020400000000000000" charset="-122"/>
             </a:endParaRPr>
           </a:p>
         </p:txBody>
@@ -6859,9 +6859,9 @@
                 <a:solidFill>
                   <a:srgbClr val="FF0000"/>
                 </a:solidFill>
-                <a:latin typeface="Adobe 楷体 Std R"/>
-                <a:ea typeface="Adobe 楷体 Std R"/>
-                <a:cs typeface="Adobe 楷体 Std R"/>
+                <a:latin typeface="Adobe 楷体 Std R" panose="02020400000000000000" charset="-122"/>
+                <a:ea typeface="Adobe 楷体 Std R" panose="02020400000000000000" charset="-122"/>
+                <a:cs typeface="Adobe 楷体 Std R" panose="02020400000000000000" charset="-122"/>
               </a:rPr>
               <a:t>媒体查询</a:t>
             </a:r>
@@ -6870,9 +6870,9 @@
                 <a:solidFill>
                   <a:srgbClr val="FF0000"/>
                 </a:solidFill>
-                <a:latin typeface="Adobe 楷体 Std R"/>
-                <a:ea typeface="Adobe 楷体 Std R"/>
-                <a:cs typeface="Adobe 楷体 Std R"/>
+                <a:latin typeface="Adobe 楷体 Std R" panose="02020400000000000000" charset="-122"/>
+                <a:ea typeface="Adobe 楷体 Std R" panose="02020400000000000000" charset="-122"/>
+                <a:cs typeface="Adobe 楷体 Std R" panose="02020400000000000000" charset="-122"/>
               </a:rPr>
               <a:t>@media</a:t>
             </a:r>
@@ -6880,9 +6880,9 @@
               <a:solidFill>
                 <a:srgbClr val="FF0000"/>
               </a:solidFill>
-              <a:latin typeface="Adobe 楷体 Std R"/>
-              <a:ea typeface="Adobe 楷体 Std R"/>
-              <a:cs typeface="Adobe 楷体 Std R"/>
+              <a:latin typeface="Adobe 楷体 Std R" panose="02020400000000000000" charset="-122"/>
+              <a:ea typeface="Adobe 楷体 Std R" panose="02020400000000000000" charset="-122"/>
+              <a:cs typeface="Adobe 楷体 Std R" panose="02020400000000000000" charset="-122"/>
             </a:endParaRPr>
           </a:p>
         </p:txBody>
@@ -6905,7 +6905,7 @@
         </p:spPr>
         <p:txBody>
           <a:bodyPr>
-            <a:normAutofit/>
+            <a:normAutofit lnSpcReduction="10000"/>
           </a:bodyPr>
           <a:lstStyle/>
           <a:p>
@@ -6919,7 +6919,7 @@
                 </a:solidFill>
                 <a:latin typeface="微软雅黑" panose="020B0503020204020204" charset="-122"/>
                 <a:ea typeface="微软雅黑" panose="020B0503020204020204" charset="-122"/>
-                <a:cs typeface="Adobe 楷体 Std R"/>
+                <a:cs typeface="Adobe 楷体 Std R" panose="02020400000000000000" charset="-122"/>
               </a:rPr>
               <a:t>如何使用</a:t>
             </a:r>
@@ -6929,7 +6929,7 @@
               </a:solidFill>
               <a:latin typeface="微软雅黑" panose="020B0503020204020204" charset="-122"/>
               <a:ea typeface="微软雅黑" panose="020B0503020204020204" charset="-122"/>
-              <a:cs typeface="Adobe 楷体 Std R"/>
+              <a:cs typeface="Adobe 楷体 Std R" panose="02020400000000000000" charset="-122"/>
             </a:endParaRPr>
           </a:p>
           <a:p>
@@ -6949,7 +6949,7 @@
                 </a:solidFill>
                 <a:latin typeface="微软雅黑" panose="020B0503020204020204" charset="-122"/>
                 <a:ea typeface="微软雅黑" panose="020B0503020204020204" charset="-122"/>
-                <a:cs typeface="Adobe 楷体 Std R"/>
+                <a:cs typeface="Adobe 楷体 Std R" panose="02020400000000000000" charset="-122"/>
               </a:rPr>
               <a:t>   -</a:t>
             </a:r>
@@ -6960,7 +6960,7 @@
                 </a:solidFill>
                 <a:latin typeface="微软雅黑" panose="020B0503020204020204" charset="-122"/>
                 <a:ea typeface="微软雅黑" panose="020B0503020204020204" charset="-122"/>
-                <a:cs typeface="Adobe 楷体 Std R"/>
+                <a:cs typeface="Adobe 楷体 Std R" panose="02020400000000000000" charset="-122"/>
               </a:rPr>
               <a:t>&lt;link type="text/css" rel="stylesheet" href="phone.css" media="screen"/&gt;</a:t>
             </a:r>
@@ -6970,7 +6970,7 @@
               </a:solidFill>
               <a:latin typeface="微软雅黑" panose="020B0503020204020204" charset="-122"/>
               <a:ea typeface="微软雅黑" panose="020B0503020204020204" charset="-122"/>
-              <a:cs typeface="Adobe 楷体 Std R"/>
+              <a:cs typeface="Adobe 楷体 Std R" panose="02020400000000000000" charset="-122"/>
             </a:endParaRPr>
           </a:p>
           <a:p>
@@ -6983,13 +6983,22 @@
               </a:spcBef>
               <a:buNone/>
             </a:pPr>
+            <a:r>
+              <a:rPr lang="en-US" altLang="zh-CN" sz="2000" dirty="0" smtClean="0">
+                <a:latin typeface="微软雅黑" panose="020B0503020204020204" charset="-122"/>
+                <a:ea typeface="微软雅黑" panose="020B0503020204020204" charset="-122"/>
+                <a:cs typeface="Adobe 楷体 Std R" panose="02020400000000000000" charset="-122"/>
+                <a:sym typeface="+mn-ea"/>
+              </a:rPr>
+              <a:t>&lt;link type="text/css" rel="stylesheet" href="prient.css" media="prient"/&gt;</a:t>
+            </a:r>
             <a:endParaRPr lang="en-US" altLang="zh-CN" sz="2000" dirty="0" smtClean="0">
               <a:solidFill>
                 <a:schemeClr val="tx1"/>
               </a:solidFill>
               <a:latin typeface="微软雅黑" panose="020B0503020204020204" charset="-122"/>
               <a:ea typeface="微软雅黑" panose="020B0503020204020204" charset="-122"/>
-              <a:cs typeface="Adobe 楷体 Std R"/>
+              <a:cs typeface="Adobe 楷体 Std R" panose="02020400000000000000" charset="-122"/>
             </a:endParaRPr>
           </a:p>
           <a:p>
@@ -7002,46 +7011,13 @@
               </a:spcBef>
               <a:buNone/>
             </a:pPr>
-            <a:r>
-              <a:rPr lang="zh-CN" altLang="en-US" sz="2000" dirty="0" smtClean="0">
-                <a:solidFill>
-                  <a:schemeClr val="tx1"/>
-                </a:solidFill>
-                <a:latin typeface="微软雅黑" panose="020B0503020204020204" charset="-122"/>
-                <a:ea typeface="微软雅黑" panose="020B0503020204020204" charset="-122"/>
-                <a:cs typeface="Adobe 楷体 Std R"/>
-              </a:rPr>
-              <a:t>   </a:t>
-            </a:r>
-            <a:r>
-              <a:rPr lang="en-US" altLang="zh-CN" sz="2000" dirty="0" smtClean="0">
-                <a:solidFill>
-                  <a:srgbClr val="FF0000"/>
-                </a:solidFill>
-                <a:latin typeface="微软雅黑" panose="020B0503020204020204" charset="-122"/>
-                <a:ea typeface="微软雅黑" panose="020B0503020204020204" charset="-122"/>
-                <a:cs typeface="Adobe 楷体 Std R"/>
-              </a:rPr>
-              <a:t>-</a:t>
-            </a:r>
-            <a:r>
-              <a:rPr lang="en-US" altLang="zh-CN" sz="2000" dirty="0" smtClean="0">
-                <a:solidFill>
-                  <a:schemeClr val="tx1"/>
-                </a:solidFill>
-                <a:latin typeface="微软雅黑" panose="020B0503020204020204" charset="-122"/>
-                <a:ea typeface="微软雅黑" panose="020B0503020204020204" charset="-122"/>
-                <a:cs typeface="Adobe 楷体 Std R"/>
-              </a:rPr>
-              <a:t>@media all and (min-width: 321px) and (max-width: 640px) {</a:t>
-            </a:r>
             <a:endParaRPr lang="en-US" altLang="zh-CN" sz="2000" dirty="0" smtClean="0">
               <a:solidFill>
                 <a:schemeClr val="tx1"/>
               </a:solidFill>
               <a:latin typeface="微软雅黑" panose="020B0503020204020204" charset="-122"/>
               <a:ea typeface="微软雅黑" panose="020B0503020204020204" charset="-122"/>
-              <a:cs typeface="Adobe 楷体 Std R"/>
+              <a:cs typeface="Adobe 楷体 Std R" panose="02020400000000000000" charset="-122"/>
             </a:endParaRPr>
           </a:p>
           <a:p>
@@ -7054,24 +7030,13 @@
               </a:spcBef>
               <a:buNone/>
             </a:pPr>
-            <a:r>
-              <a:rPr lang="en-US" altLang="zh-CN" sz="2000" dirty="0" smtClean="0">
-                <a:solidFill>
-                  <a:schemeClr val="tx1"/>
-                </a:solidFill>
-                <a:latin typeface="微软雅黑" panose="020B0503020204020204" charset="-122"/>
-                <a:ea typeface="微软雅黑" panose="020B0503020204020204" charset="-122"/>
-                <a:cs typeface="Adobe 楷体 Std R"/>
-              </a:rPr>
-              <a:t>            body {</a:t>
-            </a:r>
             <a:endParaRPr lang="en-US" altLang="zh-CN" sz="2000" dirty="0" smtClean="0">
               <a:solidFill>
                 <a:schemeClr val="tx1"/>
               </a:solidFill>
               <a:latin typeface="微软雅黑" panose="020B0503020204020204" charset="-122"/>
               <a:ea typeface="微软雅黑" panose="020B0503020204020204" charset="-122"/>
-              <a:cs typeface="Adobe 楷体 Std R"/>
+              <a:cs typeface="Adobe 楷体 Std R" panose="02020400000000000000" charset="-122"/>
             </a:endParaRPr>
           </a:p>
           <a:p>
@@ -7085,15 +7050,37 @@
               <a:buNone/>
             </a:pPr>
             <a:r>
-              <a:rPr lang="en-US" altLang="zh-CN" sz="2000" dirty="0" smtClean="0">
+              <a:rPr lang="zh-CN" altLang="en-US" sz="2000" dirty="0" smtClean="0">
                 <a:solidFill>
                   <a:schemeClr val="tx1"/>
                 </a:solidFill>
                 <a:latin typeface="微软雅黑" panose="020B0503020204020204" charset="-122"/>
                 <a:ea typeface="微软雅黑" panose="020B0503020204020204" charset="-122"/>
-                <a:cs typeface="Adobe 楷体 Std R"/>
-              </a:rPr>
-              <a:t>                font-size: 20px;</a:t>
+                <a:cs typeface="Adobe 楷体 Std R" panose="02020400000000000000" charset="-122"/>
+              </a:rPr>
+              <a:t>   </a:t>
+            </a:r>
+            <a:r>
+              <a:rPr lang="en-US" altLang="zh-CN" sz="2000" dirty="0" smtClean="0">
+                <a:solidFill>
+                  <a:srgbClr val="FF0000"/>
+                </a:solidFill>
+                <a:latin typeface="微软雅黑" panose="020B0503020204020204" charset="-122"/>
+                <a:ea typeface="微软雅黑" panose="020B0503020204020204" charset="-122"/>
+                <a:cs typeface="Adobe 楷体 Std R" panose="02020400000000000000" charset="-122"/>
+              </a:rPr>
+              <a:t>-</a:t>
+            </a:r>
+            <a:r>
+              <a:rPr lang="en-US" altLang="zh-CN" sz="2000" dirty="0" smtClean="0">
+                <a:solidFill>
+                  <a:schemeClr val="tx1"/>
+                </a:solidFill>
+                <a:latin typeface="微软雅黑" panose="020B0503020204020204" charset="-122"/>
+                <a:ea typeface="微软雅黑" panose="020B0503020204020204" charset="-122"/>
+                <a:cs typeface="Adobe 楷体 Std R" panose="02020400000000000000" charset="-122"/>
+              </a:rPr>
+              <a:t>@media all and (min-width: 321px) and (max-width: 640px) {</a:t>
             </a:r>
             <a:endParaRPr lang="en-US" altLang="zh-CN" sz="2000" dirty="0" smtClean="0">
               <a:solidFill>
@@ -7101,7 +7088,7 @@
               </a:solidFill>
               <a:latin typeface="微软雅黑" panose="020B0503020204020204" charset="-122"/>
               <a:ea typeface="微软雅黑" panose="020B0503020204020204" charset="-122"/>
-              <a:cs typeface="Adobe 楷体 Std R"/>
+              <a:cs typeface="Adobe 楷体 Std R" panose="02020400000000000000" charset="-122"/>
             </a:endParaRPr>
           </a:p>
           <a:p>
@@ -7121,9 +7108,9 @@
                 </a:solidFill>
                 <a:latin typeface="微软雅黑" panose="020B0503020204020204" charset="-122"/>
                 <a:ea typeface="微软雅黑" panose="020B0503020204020204" charset="-122"/>
-                <a:cs typeface="Adobe 楷体 Std R"/>
-              </a:rPr>
-              <a:t>            }</a:t>
+                <a:cs typeface="Adobe 楷体 Std R" panose="02020400000000000000" charset="-122"/>
+              </a:rPr>
+              <a:t>            body {</a:t>
             </a:r>
             <a:endParaRPr lang="en-US" altLang="zh-CN" sz="2000" dirty="0" smtClean="0">
               <a:solidFill>
@@ -7131,7 +7118,7 @@
               </a:solidFill>
               <a:latin typeface="微软雅黑" panose="020B0503020204020204" charset="-122"/>
               <a:ea typeface="微软雅黑" panose="020B0503020204020204" charset="-122"/>
-              <a:cs typeface="Adobe 楷体 Std R"/>
+              <a:cs typeface="Adobe 楷体 Std R" panose="02020400000000000000" charset="-122"/>
             </a:endParaRPr>
           </a:p>
           <a:p>
@@ -7151,9 +7138,9 @@
                 </a:solidFill>
                 <a:latin typeface="微软雅黑" panose="020B0503020204020204" charset="-122"/>
                 <a:ea typeface="微软雅黑" panose="020B0503020204020204" charset="-122"/>
-                <a:cs typeface="Adobe 楷体 Std R"/>
-              </a:rPr>
-              <a:t>        }</a:t>
+                <a:cs typeface="Adobe 楷体 Std R" panose="02020400000000000000" charset="-122"/>
+              </a:rPr>
+              <a:t>                font-size: 20px;</a:t>
             </a:r>
             <a:endParaRPr lang="en-US" altLang="zh-CN" sz="2000" dirty="0" smtClean="0">
               <a:solidFill>
@@ -7161,7 +7148,67 @@
               </a:solidFill>
               <a:latin typeface="微软雅黑" panose="020B0503020204020204" charset="-122"/>
               <a:ea typeface="微软雅黑" panose="020B0503020204020204" charset="-122"/>
-              <a:cs typeface="Adobe 楷体 Std R"/>
+              <a:cs typeface="Adobe 楷体 Std R" panose="02020400000000000000" charset="-122"/>
+            </a:endParaRPr>
+          </a:p>
+          <a:p>
+            <a:pPr marL="0" indent="0" fontAlgn="auto">
+              <a:lnSpc>
+                <a:spcPct val="150000"/>
+              </a:lnSpc>
+              <a:spcBef>
+                <a:spcPts val="0"/>
+              </a:spcBef>
+              <a:buNone/>
+            </a:pPr>
+            <a:r>
+              <a:rPr lang="en-US" altLang="zh-CN" sz="2000" dirty="0" smtClean="0">
+                <a:solidFill>
+                  <a:schemeClr val="tx1"/>
+                </a:solidFill>
+                <a:latin typeface="微软雅黑" panose="020B0503020204020204" charset="-122"/>
+                <a:ea typeface="微软雅黑" panose="020B0503020204020204" charset="-122"/>
+                <a:cs typeface="Adobe 楷体 Std R" panose="02020400000000000000" charset="-122"/>
+              </a:rPr>
+              <a:t>            }</a:t>
+            </a:r>
+            <a:endParaRPr lang="en-US" altLang="zh-CN" sz="2000" dirty="0" smtClean="0">
+              <a:solidFill>
+                <a:schemeClr val="tx1"/>
+              </a:solidFill>
+              <a:latin typeface="微软雅黑" panose="020B0503020204020204" charset="-122"/>
+              <a:ea typeface="微软雅黑" panose="020B0503020204020204" charset="-122"/>
+              <a:cs typeface="Adobe 楷体 Std R" panose="02020400000000000000" charset="-122"/>
+            </a:endParaRPr>
+          </a:p>
+          <a:p>
+            <a:pPr marL="0" indent="0" fontAlgn="auto">
+              <a:lnSpc>
+                <a:spcPct val="150000"/>
+              </a:lnSpc>
+              <a:spcBef>
+                <a:spcPts val="0"/>
+              </a:spcBef>
+              <a:buNone/>
+            </a:pPr>
+            <a:r>
+              <a:rPr lang="en-US" altLang="zh-CN" sz="2000" dirty="0" smtClean="0">
+                <a:solidFill>
+                  <a:schemeClr val="tx1"/>
+                </a:solidFill>
+                <a:latin typeface="微软雅黑" panose="020B0503020204020204" charset="-122"/>
+                <a:ea typeface="微软雅黑" panose="020B0503020204020204" charset="-122"/>
+                <a:cs typeface="Adobe 楷体 Std R" panose="02020400000000000000" charset="-122"/>
+              </a:rPr>
+              <a:t>        }</a:t>
+            </a:r>
+            <a:endParaRPr lang="en-US" altLang="zh-CN" sz="2000" dirty="0" smtClean="0">
+              <a:solidFill>
+                <a:schemeClr val="tx1"/>
+              </a:solidFill>
+              <a:latin typeface="微软雅黑" panose="020B0503020204020204" charset="-122"/>
+              <a:ea typeface="微软雅黑" panose="020B0503020204020204" charset="-122"/>
+              <a:cs typeface="Adobe 楷体 Std R" panose="02020400000000000000" charset="-122"/>
             </a:endParaRPr>
           </a:p>
         </p:txBody>
